--- a/assets uarm/2023 2 UarmPCrit/tesis docs/borrador intro tesis expo.pptx
+++ b/assets uarm/2023 2 UarmPCrit/tesis docs/borrador intro tesis expo.pptx
@@ -8,9 +8,10 @@
     <p:sldId id="256" r:id="rId2"/>
     <p:sldId id="257" r:id="rId3"/>
     <p:sldId id="258" r:id="rId4"/>
-    <p:sldId id="259" r:id="rId5"/>
-    <p:sldId id="260" r:id="rId6"/>
-    <p:sldId id="261" r:id="rId7"/>
+    <p:sldId id="262" r:id="rId5"/>
+    <p:sldId id="259" r:id="rId6"/>
+    <p:sldId id="260" r:id="rId7"/>
+    <p:sldId id="261" r:id="rId8"/>
   </p:sldIdLst>
   <p:sldSz cx="12192000" cy="6858000"/>
   <p:notesSz cx="6858000" cy="9144000"/>
@@ -248,7 +249,7 @@
           <a:p>
             <a:fld id="{A60A0E09-A9B3-40EF-8353-D05929D845C9}" type="datetimeFigureOut">
               <a:rPr lang="es-PE" smtClean="0"/>
-              <a:t>14/09/2023</a:t>
+              <a:t>18/09/2023</a:t>
             </a:fld>
             <a:endParaRPr lang="es-PE"/>
           </a:p>
@@ -418,7 +419,7 @@
           <a:p>
             <a:fld id="{A60A0E09-A9B3-40EF-8353-D05929D845C9}" type="datetimeFigureOut">
               <a:rPr lang="es-PE" smtClean="0"/>
-              <a:t>14/09/2023</a:t>
+              <a:t>18/09/2023</a:t>
             </a:fld>
             <a:endParaRPr lang="es-PE"/>
           </a:p>
@@ -598,7 +599,7 @@
           <a:p>
             <a:fld id="{A60A0E09-A9B3-40EF-8353-D05929D845C9}" type="datetimeFigureOut">
               <a:rPr lang="es-PE" smtClean="0"/>
-              <a:t>14/09/2023</a:t>
+              <a:t>18/09/2023</a:t>
             </a:fld>
             <a:endParaRPr lang="es-PE"/>
           </a:p>
@@ -768,7 +769,7 @@
           <a:p>
             <a:fld id="{A60A0E09-A9B3-40EF-8353-D05929D845C9}" type="datetimeFigureOut">
               <a:rPr lang="es-PE" smtClean="0"/>
-              <a:t>14/09/2023</a:t>
+              <a:t>18/09/2023</a:t>
             </a:fld>
             <a:endParaRPr lang="es-PE"/>
           </a:p>
@@ -1014,7 +1015,7 @@
           <a:p>
             <a:fld id="{A60A0E09-A9B3-40EF-8353-D05929D845C9}" type="datetimeFigureOut">
               <a:rPr lang="es-PE" smtClean="0"/>
-              <a:t>14/09/2023</a:t>
+              <a:t>18/09/2023</a:t>
             </a:fld>
             <a:endParaRPr lang="es-PE"/>
           </a:p>
@@ -1246,7 +1247,7 @@
           <a:p>
             <a:fld id="{A60A0E09-A9B3-40EF-8353-D05929D845C9}" type="datetimeFigureOut">
               <a:rPr lang="es-PE" smtClean="0"/>
-              <a:t>14/09/2023</a:t>
+              <a:t>18/09/2023</a:t>
             </a:fld>
             <a:endParaRPr lang="es-PE"/>
           </a:p>
@@ -1613,7 +1614,7 @@
           <a:p>
             <a:fld id="{A60A0E09-A9B3-40EF-8353-D05929D845C9}" type="datetimeFigureOut">
               <a:rPr lang="es-PE" smtClean="0"/>
-              <a:t>14/09/2023</a:t>
+              <a:t>18/09/2023</a:t>
             </a:fld>
             <a:endParaRPr lang="es-PE"/>
           </a:p>
@@ -1731,7 +1732,7 @@
           <a:p>
             <a:fld id="{A60A0E09-A9B3-40EF-8353-D05929D845C9}" type="datetimeFigureOut">
               <a:rPr lang="es-PE" smtClean="0"/>
-              <a:t>14/09/2023</a:t>
+              <a:t>18/09/2023</a:t>
             </a:fld>
             <a:endParaRPr lang="es-PE"/>
           </a:p>
@@ -1826,7 +1827,7 @@
           <a:p>
             <a:fld id="{A60A0E09-A9B3-40EF-8353-D05929D845C9}" type="datetimeFigureOut">
               <a:rPr lang="es-PE" smtClean="0"/>
-              <a:t>14/09/2023</a:t>
+              <a:t>18/09/2023</a:t>
             </a:fld>
             <a:endParaRPr lang="es-PE"/>
           </a:p>
@@ -2103,7 +2104,7 @@
           <a:p>
             <a:fld id="{A60A0E09-A9B3-40EF-8353-D05929D845C9}" type="datetimeFigureOut">
               <a:rPr lang="es-PE" smtClean="0"/>
-              <a:t>14/09/2023</a:t>
+              <a:t>18/09/2023</a:t>
             </a:fld>
             <a:endParaRPr lang="es-PE"/>
           </a:p>
@@ -2356,7 +2357,7 @@
           <a:p>
             <a:fld id="{A60A0E09-A9B3-40EF-8353-D05929D845C9}" type="datetimeFigureOut">
               <a:rPr lang="es-PE" smtClean="0"/>
-              <a:t>14/09/2023</a:t>
+              <a:t>18/09/2023</a:t>
             </a:fld>
             <a:endParaRPr lang="es-PE"/>
           </a:p>
@@ -2569,7 +2570,7 @@
           <a:p>
             <a:fld id="{A60A0E09-A9B3-40EF-8353-D05929D845C9}" type="datetimeFigureOut">
               <a:rPr lang="es-PE" smtClean="0"/>
-              <a:t>14/09/2023</a:t>
+              <a:t>18/09/2023</a:t>
             </a:fld>
             <a:endParaRPr lang="es-PE"/>
           </a:p>
@@ -3608,19 +3609,19 @@
         </p:nvSpPr>
         <p:spPr>
           <a:xfrm>
-            <a:off x="1051302" y="139299"/>
-            <a:ext cx="4974652" cy="737064"/>
+            <a:off x="1051302" y="-172194"/>
+            <a:ext cx="10453126" cy="659219"/>
           </a:xfrm>
         </p:spPr>
         <p:txBody>
           <a:bodyPr>
-            <a:normAutofit fontScale="90000"/>
+            <a:normAutofit/>
           </a:bodyPr>
           <a:lstStyle/>
           <a:p>
             <a:pPr algn="l"/>
             <a:r>
-              <a:rPr lang="es-PE" sz="4800" dirty="0">
+              <a:rPr lang="es-PE" sz="3600" dirty="0">
                 <a:solidFill>
                   <a:schemeClr val="accent6"/>
                 </a:solidFill>
@@ -3628,14 +3629,22 @@
               <a:t>P</a:t>
             </a:r>
             <a:r>
-              <a:rPr lang="es-PE" sz="4800" dirty="0" smtClean="0">
+              <a:rPr lang="es-PE" sz="3600" dirty="0" smtClean="0">
                 <a:solidFill>
                   <a:schemeClr val="accent6"/>
                 </a:solidFill>
               </a:rPr>
-              <a:t>ensamiento de Kant</a:t>
-            </a:r>
-            <a:endParaRPr lang="es-PE" sz="4800" dirty="0">
+              <a:t>ensamiento de Kant </a:t>
+            </a:r>
+            <a:r>
+              <a:rPr lang="es-PE" sz="2400" dirty="0" smtClean="0">
+                <a:solidFill>
+                  <a:schemeClr val="accent6"/>
+                </a:solidFill>
+              </a:rPr>
+              <a:t>(desde la perspectiva educativa)</a:t>
+            </a:r>
+            <a:endParaRPr lang="es-PE" sz="3600" dirty="0">
               <a:solidFill>
                 <a:schemeClr val="accent6"/>
               </a:solidFill>
@@ -3652,7 +3661,7 @@
         <p:spPr>
           <a:xfrm>
             <a:off x="0" y="0"/>
-            <a:ext cx="1051302" cy="1015663"/>
+            <a:ext cx="1051302" cy="584775"/>
           </a:xfrm>
           <a:prstGeom prst="rect">
             <a:avLst/>
@@ -3667,14 +3676,14 @@
           <a:p>
             <a:pPr algn="ctr"/>
             <a:r>
-              <a:rPr lang="es-PE" sz="6000" dirty="0" smtClean="0">
+              <a:rPr lang="es-PE" sz="3200" dirty="0" smtClean="0">
                 <a:solidFill>
                   <a:srgbClr val="00B050"/>
                 </a:solidFill>
               </a:rPr>
               <a:t>1</a:t>
             </a:r>
-            <a:endParaRPr lang="es-PE" dirty="0">
+            <a:endParaRPr lang="es-PE" sz="1000" dirty="0">
               <a:solidFill>
                 <a:srgbClr val="00B050"/>
               </a:solidFill>
@@ -3690,8 +3699,8 @@
         </p:nvSpPr>
         <p:spPr>
           <a:xfrm>
-            <a:off x="1518834" y="1627322"/>
-            <a:ext cx="7191213" cy="4247317"/>
+            <a:off x="370518" y="487025"/>
+            <a:ext cx="11304031" cy="6370975"/>
           </a:xfrm>
           <a:prstGeom prst="rect">
             <a:avLst/>
@@ -3704,78 +3713,221 @@
           </a:bodyPr>
           <a:lstStyle/>
           <a:p>
-            <a:r>
-              <a:rPr lang="es-PE" dirty="0" smtClean="0"/>
-              <a:t>Proyecto Crítico</a:t>
-            </a:r>
-          </a:p>
-          <a:p>
-            <a:endParaRPr lang="es-PE" dirty="0" smtClean="0"/>
-          </a:p>
-          <a:p>
-            <a:r>
-              <a:rPr lang="es-PE" dirty="0" smtClean="0"/>
+            <a:pPr>
+              <a:defRPr/>
+            </a:pPr>
+            <a:r>
+              <a:rPr lang="es-PE" sz="2400" b="1" dirty="0"/>
+              <a:t>Proyecto </a:t>
+            </a:r>
+            <a:r>
+              <a:rPr lang="es-PE" sz="2400" b="1" dirty="0" smtClean="0"/>
+              <a:t>Crítico: </a:t>
+            </a:r>
+            <a:r>
+              <a:rPr lang="es-PE" sz="2400" dirty="0" smtClean="0"/>
+              <a:t>Límites de la razón (vs Leibniz) e invitación al pensamiento crítico. (Anti-dogmatismo.) </a:t>
+            </a:r>
+            <a:r>
+              <a:rPr lang="es-PE" sz="2400" dirty="0" smtClean="0">
+                <a:solidFill>
+                  <a:schemeClr val="bg1">
+                    <a:lumMod val="75000"/>
+                  </a:schemeClr>
+                </a:solidFill>
+              </a:rPr>
+              <a:t>(Pensamiento crítico según </a:t>
+            </a:r>
+            <a:r>
+              <a:rPr lang="es-PE" sz="2400" dirty="0" err="1" smtClean="0">
+                <a:solidFill>
+                  <a:schemeClr val="bg1">
+                    <a:lumMod val="75000"/>
+                  </a:schemeClr>
+                </a:solidFill>
+              </a:rPr>
+              <a:t>Arendt</a:t>
+            </a:r>
+            <a:r>
+              <a:rPr lang="es-PE" sz="2400" dirty="0" smtClean="0">
+                <a:solidFill>
+                  <a:schemeClr val="bg1">
+                    <a:lumMod val="75000"/>
+                  </a:schemeClr>
+                </a:solidFill>
+              </a:rPr>
+              <a:t>) </a:t>
+            </a:r>
+            <a:r>
+              <a:rPr lang="es-PE" sz="2400" dirty="0" smtClean="0"/>
+              <a:t>Buena conciencia </a:t>
+            </a:r>
+            <a:r>
+              <a:rPr lang="es-PE" sz="2400" dirty="0" smtClean="0">
+                <a:solidFill>
+                  <a:schemeClr val="bg1">
+                    <a:lumMod val="75000"/>
+                  </a:schemeClr>
+                </a:solidFill>
+              </a:rPr>
+              <a:t>(Sobre la imposibilidad de una teodicea, ¿Cómo orientarse en el pensamiento?)</a:t>
+            </a:r>
+            <a:endParaRPr lang="es-PE" sz="2400" dirty="0">
+              <a:solidFill>
+                <a:schemeClr val="bg1">
+                  <a:lumMod val="75000"/>
+                </a:schemeClr>
+              </a:solidFill>
+            </a:endParaRPr>
+          </a:p>
+          <a:p>
+            <a:endParaRPr lang="es-PE" sz="2400" dirty="0"/>
+          </a:p>
+          <a:p>
+            <a:r>
+              <a:rPr lang="es-PE" sz="2400" b="1" dirty="0" smtClean="0"/>
               <a:t>Deontología</a:t>
             </a:r>
-          </a:p>
-          <a:p>
-            <a:endParaRPr lang="es-PE" dirty="0"/>
-          </a:p>
-          <a:p>
-            <a:r>
-              <a:rPr lang="es-PE" dirty="0" smtClean="0"/>
-              <a:t>Autonomía</a:t>
-            </a:r>
-          </a:p>
-          <a:p>
-            <a:endParaRPr lang="es-PE" dirty="0"/>
-          </a:p>
-          <a:p>
-            <a:r>
-              <a:rPr lang="es-PE" dirty="0" smtClean="0"/>
-              <a:t>Atreverse a pensar</a:t>
-            </a:r>
-          </a:p>
-          <a:p>
-            <a:endParaRPr lang="es-PE" dirty="0" smtClean="0"/>
-          </a:p>
-          <a:p>
-            <a:r>
-              <a:rPr lang="es-PE" dirty="0" smtClean="0"/>
-              <a:t>Republicanismo y cosmopolitismo</a:t>
-            </a:r>
-          </a:p>
-          <a:p>
-            <a:endParaRPr lang="es-PE" dirty="0" smtClean="0"/>
-          </a:p>
-          <a:p>
-            <a:r>
-              <a:rPr lang="es-PE" dirty="0" smtClean="0"/>
-              <a:t>Libertad de Pluma</a:t>
-            </a:r>
-          </a:p>
-          <a:p>
-            <a:endParaRPr lang="es-PE" dirty="0"/>
-          </a:p>
-          <a:p>
-            <a:r>
-              <a:rPr lang="es-PE" dirty="0" smtClean="0"/>
-              <a:t>Uso de la razón pública</a:t>
-            </a:r>
-          </a:p>
-          <a:p>
-            <a:endParaRPr lang="es-PE" dirty="0"/>
-          </a:p>
-          <a:p>
-            <a:r>
-              <a:rPr lang="es-PE" dirty="0" smtClean="0"/>
-              <a:t>Pensamiento crítico y </a:t>
-            </a:r>
-            <a:r>
-              <a:rPr lang="es-PE" dirty="0" err="1" smtClean="0"/>
-              <a:t>antidogmático</a:t>
-            </a:r>
-            <a:endParaRPr lang="es-PE" dirty="0"/>
+            <a:r>
+              <a:rPr lang="es-PE" sz="2400" dirty="0" smtClean="0"/>
+              <a:t>: Desarrollo del sentido del deber. Moral racional sin contenidos absolutos. No-instrumentalización. Derecho natural. Educación no para la moral, sino para la autonomía. </a:t>
+            </a:r>
+            <a:r>
+              <a:rPr lang="es-PE" sz="2400" dirty="0" smtClean="0">
+                <a:solidFill>
+                  <a:schemeClr val="bg1">
+                    <a:lumMod val="75000"/>
+                  </a:schemeClr>
+                </a:solidFill>
+              </a:rPr>
+              <a:t>(FMC, MC)</a:t>
+            </a:r>
+            <a:endParaRPr lang="es-PE" sz="2400" dirty="0">
+              <a:solidFill>
+                <a:schemeClr val="bg1">
+                  <a:lumMod val="75000"/>
+                </a:schemeClr>
+              </a:solidFill>
+            </a:endParaRPr>
+          </a:p>
+          <a:p>
+            <a:endParaRPr lang="es-PE" sz="2400" dirty="0" smtClean="0"/>
+          </a:p>
+          <a:p>
+            <a:r>
+              <a:rPr lang="es-PE" sz="2400" b="1" dirty="0" smtClean="0"/>
+              <a:t>Autonomía: </a:t>
+            </a:r>
+            <a:r>
+              <a:rPr lang="es-PE" sz="2400" dirty="0" smtClean="0"/>
+              <a:t>Libertad. Atreverse </a:t>
+            </a:r>
+            <a:r>
+              <a:rPr lang="es-PE" sz="2400" dirty="0"/>
+              <a:t>a </a:t>
+            </a:r>
+            <a:r>
+              <a:rPr lang="es-PE" sz="2400" dirty="0" smtClean="0"/>
+              <a:t>pensar. Auto-determinación. </a:t>
+            </a:r>
+            <a:r>
+              <a:rPr lang="es-PE" sz="2400" dirty="0" smtClean="0">
+                <a:solidFill>
+                  <a:schemeClr val="bg1">
+                    <a:lumMod val="75000"/>
+                  </a:schemeClr>
+                </a:solidFill>
+              </a:rPr>
+              <a:t>(¿Qué es la Ilustración?, Ensayo sobre Enfermedades de la cabeza</a:t>
+            </a:r>
+            <a:r>
+              <a:rPr lang="es-PE" sz="2400" dirty="0"/>
+              <a:t>)</a:t>
+            </a:r>
+            <a:endParaRPr lang="es-PE" sz="2400" dirty="0">
+              <a:solidFill>
+                <a:schemeClr val="bg1">
+                  <a:lumMod val="75000"/>
+                </a:schemeClr>
+              </a:solidFill>
+            </a:endParaRPr>
+          </a:p>
+          <a:p>
+            <a:endParaRPr lang="es-PE" sz="2400" dirty="0"/>
+          </a:p>
+          <a:p>
+            <a:r>
+              <a:rPr lang="es-PE" sz="2400" b="1" dirty="0" smtClean="0"/>
+              <a:t>Uso de la razón pública: </a:t>
+            </a:r>
+            <a:r>
+              <a:rPr lang="es-PE" sz="2400" dirty="0" smtClean="0"/>
+              <a:t>Libertad de pensamiento, de expresión, de pluma. Co-determinación. </a:t>
+            </a:r>
+            <a:r>
+              <a:rPr lang="es-PE" sz="2400" dirty="0" smtClean="0">
+                <a:solidFill>
+                  <a:schemeClr val="bg1">
+                    <a:lumMod val="75000"/>
+                  </a:schemeClr>
+                </a:solidFill>
+              </a:rPr>
+              <a:t>(¿Qué es la Ilustración?, MC, Paz Perpetua)</a:t>
+            </a:r>
+          </a:p>
+          <a:p>
+            <a:endParaRPr lang="es-PE" sz="2400" dirty="0"/>
+          </a:p>
+          <a:p>
+            <a:r>
+              <a:rPr lang="es-PE" sz="2400" b="1" dirty="0"/>
+              <a:t>Republicanismo y </a:t>
+            </a:r>
+            <a:r>
+              <a:rPr lang="es-PE" sz="2400" b="1" dirty="0" smtClean="0"/>
+              <a:t>cosmopolitismo: </a:t>
+            </a:r>
+            <a:r>
+              <a:rPr lang="es-PE" sz="2400" dirty="0" smtClean="0"/>
+              <a:t>interés por asuntos públicos, derecho internacional. Actualización de la democracia (como una “voluntad general” de Rousseau?) </a:t>
+            </a:r>
+            <a:r>
+              <a:rPr lang="es-PE" sz="2400" dirty="0" smtClean="0">
+                <a:solidFill>
+                  <a:schemeClr val="bg1">
+                    <a:lumMod val="75000"/>
+                  </a:schemeClr>
+                </a:solidFill>
+              </a:rPr>
+              <a:t>(MC, Paz Perpetua, Caviglia, </a:t>
+            </a:r>
+            <a:r>
+              <a:rPr lang="es-PE" sz="2400" dirty="0" err="1" smtClean="0">
+                <a:solidFill>
+                  <a:schemeClr val="bg1">
+                    <a:lumMod val="75000"/>
+                  </a:schemeClr>
+                </a:solidFill>
+              </a:rPr>
+              <a:t>Forst</a:t>
+            </a:r>
+            <a:r>
+              <a:rPr lang="es-PE" sz="2400" dirty="0" smtClean="0">
+                <a:solidFill>
+                  <a:schemeClr val="bg1">
+                    <a:lumMod val="75000"/>
+                  </a:schemeClr>
+                </a:solidFill>
+              </a:rPr>
+              <a:t>)</a:t>
+            </a:r>
+            <a:endParaRPr lang="es-PE" sz="2400" dirty="0">
+              <a:solidFill>
+                <a:schemeClr val="bg1">
+                  <a:lumMod val="75000"/>
+                </a:schemeClr>
+              </a:solidFill>
+            </a:endParaRPr>
           </a:p>
         </p:txBody>
       </p:sp>
@@ -3809,55 +3961,136 @@
           <a:chExt cx="0" cy="0"/>
         </a:xfrm>
       </p:grpSpPr>
-      <p:sp>
-        <p:nvSpPr>
-          <p:cNvPr id="2" name="Título 1"/>
-          <p:cNvSpPr>
-            <a:spLocks noGrp="1"/>
-          </p:cNvSpPr>
-          <p:nvPr>
-            <p:ph type="ctrTitle"/>
-          </p:nvPr>
-        </p:nvSpPr>
+      <p:pic>
+        <p:nvPicPr>
+          <p:cNvPr id="4" name="Imagen 3"/>
+          <p:cNvPicPr>
+            <a:picLocks noChangeAspect="1"/>
+          </p:cNvPicPr>
+          <p:nvPr/>
+        </p:nvPicPr>
+        <p:blipFill>
+          <a:blip r:embed="rId2"/>
+          <a:stretch>
+            <a:fillRect/>
+          </a:stretch>
+        </p:blipFill>
         <p:spPr>
           <a:xfrm>
-            <a:off x="918426" y="95928"/>
-            <a:ext cx="9144000" cy="823806"/>
+            <a:off x="1282634" y="477440"/>
+            <a:ext cx="3069678" cy="641976"/>
           </a:xfrm>
+          <a:prstGeom prst="rect">
+            <a:avLst/>
+          </a:prstGeom>
         </p:spPr>
-        <p:txBody>
-          <a:bodyPr>
-            <a:normAutofit fontScale="90000"/>
-          </a:bodyPr>
-          <a:lstStyle/>
-          <a:p>
-            <a:pPr algn="l"/>
-            <a:r>
-              <a:rPr lang="es-PE" dirty="0" smtClean="0">
-                <a:solidFill>
-                  <a:srgbClr val="FFC000"/>
-                </a:solidFill>
-              </a:rPr>
-              <a:t>Educación crítica</a:t>
-            </a:r>
-            <a:endParaRPr lang="es-PE" dirty="0">
-              <a:solidFill>
-                <a:schemeClr val="accent6"/>
-              </a:solidFill>
-            </a:endParaRPr>
-          </a:p>
-        </p:txBody>
-      </p:sp>
-      <p:sp>
-        <p:nvSpPr>
-          <p:cNvPr id="15" name="CuadroTexto 14"/>
+      </p:pic>
+      <p:pic>
+        <p:nvPicPr>
+          <p:cNvPr id="5" name="Imagen 4"/>
+          <p:cNvPicPr>
+            <a:picLocks noChangeAspect="1"/>
+          </p:cNvPicPr>
+          <p:nvPr/>
+        </p:nvPicPr>
+        <p:blipFill>
+          <a:blip r:embed="rId3"/>
+          <a:stretch>
+            <a:fillRect/>
+          </a:stretch>
+        </p:blipFill>
+        <p:spPr>
+          <a:xfrm>
+            <a:off x="221206" y="1670585"/>
+            <a:ext cx="5192534" cy="1663233"/>
+          </a:xfrm>
+          <a:prstGeom prst="rect">
+            <a:avLst/>
+          </a:prstGeom>
+        </p:spPr>
+      </p:pic>
+      <p:pic>
+        <p:nvPicPr>
+          <p:cNvPr id="6" name="Imagen 5"/>
+          <p:cNvPicPr>
+            <a:picLocks noChangeAspect="1"/>
+          </p:cNvPicPr>
+          <p:nvPr/>
+        </p:nvPicPr>
+        <p:blipFill>
+          <a:blip r:embed="rId4"/>
+          <a:stretch>
+            <a:fillRect/>
+          </a:stretch>
+        </p:blipFill>
+        <p:spPr>
+          <a:xfrm>
+            <a:off x="0" y="3702843"/>
+            <a:ext cx="5228850" cy="835025"/>
+          </a:xfrm>
+          <a:prstGeom prst="rect">
+            <a:avLst/>
+          </a:prstGeom>
+        </p:spPr>
+      </p:pic>
+      <p:pic>
+        <p:nvPicPr>
+          <p:cNvPr id="7" name="Imagen 6"/>
+          <p:cNvPicPr>
+            <a:picLocks noChangeAspect="1"/>
+          </p:cNvPicPr>
+          <p:nvPr/>
+        </p:nvPicPr>
+        <p:blipFill>
+          <a:blip r:embed="rId5"/>
+          <a:stretch>
+            <a:fillRect/>
+          </a:stretch>
+        </p:blipFill>
+        <p:spPr>
+          <a:xfrm>
+            <a:off x="221206" y="4495950"/>
+            <a:ext cx="4972093" cy="270328"/>
+          </a:xfrm>
+          <a:prstGeom prst="rect">
+            <a:avLst/>
+          </a:prstGeom>
+        </p:spPr>
+      </p:pic>
+      <p:pic>
+        <p:nvPicPr>
+          <p:cNvPr id="8" name="Imagen 7"/>
+          <p:cNvPicPr>
+            <a:picLocks noChangeAspect="1"/>
+          </p:cNvPicPr>
+          <p:nvPr/>
+        </p:nvPicPr>
+        <p:blipFill>
+          <a:blip r:embed="rId6"/>
+          <a:stretch>
+            <a:fillRect/>
+          </a:stretch>
+        </p:blipFill>
+        <p:spPr>
+          <a:xfrm>
+            <a:off x="0" y="4916637"/>
+            <a:ext cx="1487365" cy="828675"/>
+          </a:xfrm>
+          <a:prstGeom prst="rect">
+            <a:avLst/>
+          </a:prstGeom>
+        </p:spPr>
+      </p:pic>
+      <p:sp>
+        <p:nvSpPr>
+          <p:cNvPr id="2" name="CuadroTexto 1"/>
           <p:cNvSpPr txBox="1"/>
           <p:nvPr/>
         </p:nvSpPr>
         <p:spPr>
           <a:xfrm>
-            <a:off x="0" y="0"/>
-            <a:ext cx="918426" cy="1015663"/>
+            <a:off x="5634946" y="934664"/>
+            <a:ext cx="5946334" cy="4524315"/>
           </a:xfrm>
           <a:prstGeom prst="rect">
             <a:avLst/>
@@ -3870,33 +4103,144 @@
           </a:bodyPr>
           <a:lstStyle/>
           <a:p>
-            <a:pPr algn="ctr"/>
-            <a:r>
-              <a:rPr lang="es-PE" sz="6000" dirty="0" smtClean="0">
-                <a:solidFill>
-                  <a:srgbClr val="FFC000"/>
-                </a:solidFill>
-              </a:rPr>
-              <a:t>2</a:t>
-            </a:r>
-            <a:endParaRPr lang="es-PE" dirty="0">
-              <a:solidFill>
-                <a:srgbClr val="FFC000"/>
-              </a:solidFill>
-            </a:endParaRPr>
-          </a:p>
-        </p:txBody>
-      </p:sp>
-      <p:sp>
-        <p:nvSpPr>
-          <p:cNvPr id="16" name="CuadroTexto 15"/>
+            <a:pPr algn="just"/>
+            <a:r>
+              <a:rPr lang="es-PE" dirty="0" smtClean="0"/>
+              <a:t>Todo </a:t>
+            </a:r>
+            <a:r>
+              <a:rPr lang="es-PE" dirty="0" smtClean="0">
+                <a:solidFill>
+                  <a:srgbClr val="FF0000"/>
+                </a:solidFill>
+              </a:rPr>
+              <a:t>progreso cultural</a:t>
+            </a:r>
+            <a:r>
+              <a:rPr lang="es-PE" dirty="0" smtClean="0"/>
+              <a:t>, por cuyos medios el ser humano desarrolla su </a:t>
+            </a:r>
+            <a:r>
+              <a:rPr lang="es-PE" dirty="0" smtClean="0">
+                <a:solidFill>
+                  <a:srgbClr val="FF0000"/>
+                </a:solidFill>
+              </a:rPr>
+              <a:t>educación</a:t>
+            </a:r>
+            <a:r>
+              <a:rPr lang="es-PE" dirty="0" smtClean="0"/>
+              <a:t> tiene como meta el aplicar este adquirido conocimiento y habilidad para el </a:t>
+            </a:r>
+            <a:r>
+              <a:rPr lang="es-PE" dirty="0" smtClean="0">
+                <a:solidFill>
+                  <a:srgbClr val="FF0000"/>
+                </a:solidFill>
+              </a:rPr>
+              <a:t>uso en el mundo</a:t>
+            </a:r>
+            <a:r>
+              <a:rPr lang="es-PE" dirty="0" smtClean="0"/>
+              <a:t>. Pero el objeto </a:t>
+            </a:r>
+            <a:r>
+              <a:rPr lang="es-PE" dirty="0" smtClean="0">
+                <a:solidFill>
+                  <a:srgbClr val="FF0000"/>
+                </a:solidFill>
+              </a:rPr>
+              <a:t>más importante </a:t>
+            </a:r>
+            <a:r>
+              <a:rPr lang="es-PE" dirty="0" smtClean="0"/>
+              <a:t>en el mundo al que se puede aplicar es el ser humano mismo, por cuanto </a:t>
+            </a:r>
+            <a:r>
+              <a:rPr lang="es-PE" dirty="0" smtClean="0">
+                <a:solidFill>
+                  <a:srgbClr val="FF0000"/>
+                </a:solidFill>
+              </a:rPr>
+              <a:t>lo humano es su propia finalidad</a:t>
+            </a:r>
+            <a:r>
+              <a:rPr lang="es-PE" dirty="0" smtClean="0"/>
+              <a:t>. Por tanto, el conocer lo humano de acuerdo a su especie como criatura terrenal dotada de razón, merece especialmente ser llamado “</a:t>
+            </a:r>
+            <a:r>
+              <a:rPr lang="es-PE" dirty="0" smtClean="0">
+                <a:solidFill>
+                  <a:srgbClr val="FF0000"/>
+                </a:solidFill>
+              </a:rPr>
+              <a:t>conocimiento del mundo</a:t>
+            </a:r>
+            <a:r>
+              <a:rPr lang="es-PE" dirty="0" smtClean="0"/>
+              <a:t>”, aún cuando constituye solo una parte de las criaturas del mundo. </a:t>
+            </a:r>
+          </a:p>
+          <a:p>
+            <a:pPr algn="just"/>
+            <a:endParaRPr lang="es-PE" dirty="0"/>
+          </a:p>
+          <a:p>
+            <a:pPr algn="just"/>
+            <a:r>
+              <a:rPr lang="es-PE" dirty="0" smtClean="0"/>
+              <a:t>Tal antropología, considerada </a:t>
+            </a:r>
+            <a:r>
+              <a:rPr lang="es-PE" dirty="0" smtClean="0">
+                <a:solidFill>
+                  <a:srgbClr val="FF0000"/>
+                </a:solidFill>
+              </a:rPr>
+              <a:t>conocimiento del mundo</a:t>
+            </a:r>
+            <a:r>
+              <a:rPr lang="es-PE" dirty="0" smtClean="0"/>
+              <a:t>, la cual </a:t>
+            </a:r>
+            <a:r>
+              <a:rPr lang="es-PE" dirty="0" smtClean="0">
+                <a:solidFill>
+                  <a:srgbClr val="FF0000"/>
+                </a:solidFill>
+              </a:rPr>
+              <a:t>viene de nuestra escolaridad</a:t>
+            </a:r>
+            <a:r>
+              <a:rPr lang="es-PE" dirty="0" smtClean="0"/>
+              <a:t>, no es aún llamada pragmática cuando contiene conocimiento extensivo de cosas en el mundo, tales como animales, plantas, minerales o climas, sino, cuando contiene </a:t>
+            </a:r>
+            <a:r>
+              <a:rPr lang="es-PE" dirty="0" smtClean="0">
+                <a:solidFill>
+                  <a:srgbClr val="FF0000"/>
+                </a:solidFill>
+              </a:rPr>
+              <a:t>conocimiento de lo humano en cuanto siendo “ciudadanos del mundo</a:t>
+            </a:r>
+            <a:r>
+              <a:rPr lang="es-PE" dirty="0" smtClean="0"/>
+              <a:t>” (p.231)</a:t>
+            </a:r>
+            <a:endParaRPr lang="es-PE" dirty="0"/>
+          </a:p>
+        </p:txBody>
+      </p:sp>
+      <p:sp>
+        <p:nvSpPr>
+          <p:cNvPr id="3" name="CuadroTexto 2"/>
           <p:cNvSpPr txBox="1"/>
           <p:nvPr/>
         </p:nvSpPr>
         <p:spPr>
           <a:xfrm>
-            <a:off x="1518834" y="1627322"/>
-            <a:ext cx="7191213" cy="4247317"/>
+            <a:off x="2817473" y="6252086"/>
+            <a:ext cx="5956663" cy="461665"/>
           </a:xfrm>
           <a:prstGeom prst="rect">
             <a:avLst/>
@@ -3910,85 +4254,17 @@
           <a:lstStyle/>
           <a:p>
             <a:r>
-              <a:rPr lang="es-PE" dirty="0" smtClean="0"/>
-              <a:t>Educación técnica para el mercado</a:t>
-            </a:r>
-          </a:p>
-          <a:p>
-            <a:endParaRPr lang="es-PE" dirty="0"/>
-          </a:p>
-          <a:p>
-            <a:r>
-              <a:rPr lang="es-PE" dirty="0" smtClean="0"/>
-              <a:t>Sentido moderno de la </a:t>
-            </a:r>
-            <a:r>
-              <a:rPr lang="es-PE" dirty="0" smtClean="0"/>
-              <a:t>educación – Educación Secular</a:t>
-            </a:r>
-            <a:endParaRPr lang="es-PE" dirty="0" smtClean="0"/>
-          </a:p>
-          <a:p>
-            <a:endParaRPr lang="es-PE" dirty="0"/>
-          </a:p>
-          <a:p>
-            <a:r>
-              <a:rPr lang="es-PE" dirty="0" smtClean="0"/>
-              <a:t>Educación Sentimental</a:t>
-            </a:r>
-          </a:p>
-          <a:p>
-            <a:endParaRPr lang="es-PE" dirty="0"/>
-          </a:p>
-          <a:p>
-            <a:r>
-              <a:rPr lang="es-PE" dirty="0" smtClean="0"/>
-              <a:t>Educación dogmática</a:t>
-            </a:r>
-          </a:p>
-          <a:p>
-            <a:endParaRPr lang="es-PE" dirty="0"/>
-          </a:p>
-          <a:p>
-            <a:r>
-              <a:rPr lang="es-PE" dirty="0" smtClean="0"/>
-              <a:t>Autoformación a través del autoconocimiento</a:t>
-            </a:r>
-          </a:p>
-          <a:p>
-            <a:endParaRPr lang="es-PE" dirty="0"/>
-          </a:p>
-          <a:p>
-            <a:r>
-              <a:rPr lang="es-PE" dirty="0" smtClean="0"/>
-              <a:t>Educación crítica</a:t>
-            </a:r>
-          </a:p>
-          <a:p>
-            <a:endParaRPr lang="es-PE" dirty="0"/>
-          </a:p>
-          <a:p>
-            <a:r>
-              <a:rPr lang="es-PE" dirty="0" smtClean="0"/>
-              <a:t>Educación pública</a:t>
-            </a:r>
-          </a:p>
-          <a:p>
-            <a:endParaRPr lang="es-PE" dirty="0"/>
-          </a:p>
-          <a:p>
-            <a:r>
-              <a:rPr lang="es-PE" dirty="0" smtClean="0"/>
-              <a:t>¿Educación para lo político?</a:t>
-            </a:r>
-            <a:endParaRPr lang="es-PE" dirty="0"/>
+              <a:rPr lang="es-PE" sz="2400" dirty="0" smtClean="0"/>
+              <a:t>Educación Crítica = Educación “Pragmática”</a:t>
+            </a:r>
+            <a:endParaRPr lang="es-PE" sz="2400" dirty="0"/>
           </a:p>
         </p:txBody>
       </p:sp>
     </p:spTree>
     <p:extLst>
       <p:ext uri="{BB962C8B-B14F-4D97-AF65-F5344CB8AC3E}">
-        <p14:creationId xmlns:p14="http://schemas.microsoft.com/office/powerpoint/2010/main" val="2050260353"/>
+        <p14:creationId xmlns:p14="http://schemas.microsoft.com/office/powerpoint/2010/main" val="1805175896"/>
       </p:ext>
     </p:extLst>
   </p:cSld>
@@ -4027,34 +4303,26 @@
         </p:nvSpPr>
         <p:spPr>
           <a:xfrm>
-            <a:off x="728420" y="4708"/>
-            <a:ext cx="11463580" cy="785706"/>
+            <a:off x="918426" y="95928"/>
+            <a:ext cx="9144000" cy="823806"/>
           </a:xfrm>
         </p:spPr>
         <p:txBody>
           <a:bodyPr>
-            <a:normAutofit/>
+            <a:normAutofit fontScale="90000"/>
           </a:bodyPr>
           <a:lstStyle/>
           <a:p>
             <a:pPr algn="l"/>
             <a:r>
-              <a:rPr lang="es-PE" sz="4400" dirty="0" smtClean="0">
-                <a:solidFill>
-                  <a:schemeClr val="accent5"/>
-                </a:solidFill>
-              </a:rPr>
-              <a:t>El concepto de “justificación” de </a:t>
-            </a:r>
-            <a:r>
-              <a:rPr lang="es-PE" sz="4400" dirty="0" err="1" smtClean="0">
-                <a:solidFill>
-                  <a:schemeClr val="accent5"/>
-                </a:solidFill>
-              </a:rPr>
-              <a:t>Forst</a:t>
-            </a:r>
-            <a:endParaRPr lang="es-PE" sz="4400" dirty="0">
+              <a:rPr lang="es-PE" dirty="0" smtClean="0">
+                <a:solidFill>
+                  <a:srgbClr val="FFC000"/>
+                </a:solidFill>
+              </a:rPr>
+              <a:t>Educación crítica</a:t>
+            </a:r>
+            <a:endParaRPr lang="es-PE" dirty="0">
               <a:solidFill>
                 <a:schemeClr val="accent6"/>
               </a:solidFill>
@@ -4064,14 +4332,14 @@
       </p:sp>
       <p:sp>
         <p:nvSpPr>
-          <p:cNvPr id="13" name="CuadroTexto 12"/>
+          <p:cNvPr id="15" name="CuadroTexto 14"/>
           <p:cNvSpPr txBox="1"/>
           <p:nvPr/>
         </p:nvSpPr>
         <p:spPr>
           <a:xfrm>
-            <a:off x="0" y="-108488"/>
-            <a:ext cx="728420" cy="1015663"/>
+            <a:off x="0" y="0"/>
+            <a:ext cx="918426" cy="1015663"/>
           </a:xfrm>
           <a:prstGeom prst="rect">
             <a:avLst/>
@@ -4086,16 +4354,16 @@
           <a:p>
             <a:pPr algn="ctr"/>
             <a:r>
-              <a:rPr lang="es-PE" sz="6000" dirty="0">
-                <a:solidFill>
-                  <a:srgbClr val="0070C0"/>
-                </a:solidFill>
-              </a:rPr>
-              <a:t>3</a:t>
+              <a:rPr lang="es-PE" sz="6000" dirty="0" smtClean="0">
+                <a:solidFill>
+                  <a:srgbClr val="FFC000"/>
+                </a:solidFill>
+              </a:rPr>
+              <a:t>2</a:t>
             </a:r>
             <a:endParaRPr lang="es-PE" dirty="0">
               <a:solidFill>
-                <a:srgbClr val="0070C0"/>
+                <a:srgbClr val="FFC000"/>
               </a:solidFill>
             </a:endParaRPr>
           </a:p>
@@ -4109,8 +4377,8 @@
         </p:nvSpPr>
         <p:spPr>
           <a:xfrm>
-            <a:off x="1518834" y="1627322"/>
-            <a:ext cx="7191213" cy="2862322"/>
+            <a:off x="157867" y="1111591"/>
+            <a:ext cx="11623007" cy="5632311"/>
           </a:xfrm>
           <a:prstGeom prst="rect">
             <a:avLst/>
@@ -4124,63 +4392,367 @@
           <a:lstStyle/>
           <a:p>
             <a:r>
-              <a:rPr lang="es-PE" dirty="0" smtClean="0"/>
-              <a:t>Justificación en cuanto autodeterminación</a:t>
-            </a:r>
-          </a:p>
-          <a:p>
-            <a:endParaRPr lang="es-PE" dirty="0" smtClean="0"/>
-          </a:p>
-          <a:p>
-            <a:r>
-              <a:rPr lang="es-PE" dirty="0" smtClean="0"/>
-              <a:t>Justificación de los DDHH</a:t>
-            </a:r>
-          </a:p>
-          <a:p>
-            <a:endParaRPr lang="es-PE" dirty="0"/>
-          </a:p>
-          <a:p>
-            <a:r>
-              <a:rPr lang="es-PE" dirty="0" smtClean="0"/>
-              <a:t>Justificación en un horizonte de consenso político (</a:t>
-            </a:r>
-            <a:r>
-              <a:rPr lang="es-PE" dirty="0" err="1" smtClean="0"/>
-              <a:t>co</a:t>
-            </a:r>
-            <a:r>
-              <a:rPr lang="es-PE" dirty="0" smtClean="0"/>
-              <a:t>-determinación)</a:t>
-            </a:r>
-          </a:p>
-          <a:p>
-            <a:endParaRPr lang="es-PE" dirty="0"/>
-          </a:p>
-          <a:p>
-            <a:r>
-              <a:rPr lang="es-PE" dirty="0" smtClean="0"/>
-              <a:t>El aporte de la justificación a la educación crítica</a:t>
-            </a:r>
-          </a:p>
-          <a:p>
-            <a:endParaRPr lang="es-PE" dirty="0"/>
-          </a:p>
-          <a:p>
-            <a:r>
-              <a:rPr lang="es-PE" dirty="0" smtClean="0"/>
-              <a:t>El aporte de la educación crítica al desarrollo político</a:t>
-            </a:r>
-          </a:p>
-          <a:p>
-            <a:endParaRPr lang="es-PE" dirty="0"/>
+              <a:rPr lang="es-PE" sz="2400" b="1" dirty="0" smtClean="0"/>
+              <a:t>Modelos educativos</a:t>
+            </a:r>
+            <a:r>
+              <a:rPr lang="es-PE" sz="2400" dirty="0" smtClean="0"/>
+              <a:t>: </a:t>
+            </a:r>
+            <a:r>
+              <a:rPr lang="es-PE" sz="2400" dirty="0" smtClean="0">
+                <a:solidFill>
+                  <a:srgbClr val="FF0000"/>
+                </a:solidFill>
+              </a:rPr>
+              <a:t>Tradicional</a:t>
+            </a:r>
+            <a:r>
+              <a:rPr lang="es-PE" sz="2400" dirty="0" smtClean="0"/>
+              <a:t> (Sócrates, Platón, Aristóteles), Educación </a:t>
+            </a:r>
+            <a:r>
+              <a:rPr lang="es-PE" sz="2400" dirty="0" smtClean="0">
+                <a:solidFill>
+                  <a:srgbClr val="FF0000"/>
+                </a:solidFill>
+              </a:rPr>
+              <a:t>dogmática</a:t>
+            </a:r>
+            <a:r>
+              <a:rPr lang="es-PE" sz="2400" dirty="0" smtClean="0"/>
+              <a:t> (religiosa, científica), </a:t>
+            </a:r>
+            <a:r>
+              <a:rPr lang="es-PE" sz="2400" dirty="0" err="1" smtClean="0">
+                <a:solidFill>
+                  <a:srgbClr val="FF0000"/>
+                </a:solidFill>
+              </a:rPr>
+              <a:t>Philantropinum</a:t>
+            </a:r>
+            <a:r>
+              <a:rPr lang="es-PE" sz="2400" dirty="0" smtClean="0"/>
+              <a:t> (Rousseau, </a:t>
+            </a:r>
+            <a:r>
+              <a:rPr lang="es-PE" sz="2400" dirty="0" err="1" smtClean="0"/>
+              <a:t>Basedow</a:t>
+            </a:r>
+            <a:r>
+              <a:rPr lang="es-PE" sz="2400" dirty="0" smtClean="0"/>
+              <a:t>) </a:t>
+            </a:r>
+            <a:r>
+              <a:rPr lang="es-PE" sz="2400" dirty="0" err="1" smtClean="0">
+                <a:solidFill>
+                  <a:srgbClr val="FF0000"/>
+                </a:solidFill>
+              </a:rPr>
+              <a:t>Progresivista</a:t>
+            </a:r>
+            <a:r>
+              <a:rPr lang="es-PE" sz="2400" dirty="0" smtClean="0"/>
+              <a:t> (Dewey), </a:t>
+            </a:r>
+            <a:r>
+              <a:rPr lang="es-PE" sz="2400" dirty="0" smtClean="0">
+                <a:solidFill>
+                  <a:srgbClr val="FF0000"/>
+                </a:solidFill>
+              </a:rPr>
+              <a:t>Montessori</a:t>
+            </a:r>
+            <a:r>
+              <a:rPr lang="es-PE" sz="2400" dirty="0" smtClean="0"/>
+              <a:t>, </a:t>
+            </a:r>
+            <a:r>
+              <a:rPr lang="es-PE" sz="2400" dirty="0" err="1" smtClean="0">
+                <a:solidFill>
+                  <a:srgbClr val="FF0000"/>
+                </a:solidFill>
+              </a:rPr>
+              <a:t>Conductualismo</a:t>
+            </a:r>
+            <a:r>
+              <a:rPr lang="es-PE" sz="2400" dirty="0" smtClean="0">
+                <a:solidFill>
+                  <a:srgbClr val="FF0000"/>
+                </a:solidFill>
+              </a:rPr>
+              <a:t>/Conductismo</a:t>
+            </a:r>
+            <a:r>
+              <a:rPr lang="es-PE" sz="2400" dirty="0" smtClean="0"/>
+              <a:t> </a:t>
+            </a:r>
+            <a:r>
+              <a:rPr lang="es-PE" sz="2400" dirty="0" smtClean="0"/>
+              <a:t>(</a:t>
+            </a:r>
+            <a:r>
+              <a:rPr lang="es-PE" sz="2400" dirty="0" err="1" smtClean="0"/>
+              <a:t>Skinner</a:t>
+            </a:r>
+            <a:r>
+              <a:rPr lang="es-PE" sz="2400" dirty="0" smtClean="0"/>
+              <a:t>), </a:t>
+            </a:r>
+            <a:r>
+              <a:rPr lang="es-PE" sz="2400" dirty="0" err="1" smtClean="0">
+                <a:solidFill>
+                  <a:srgbClr val="FF0000"/>
+                </a:solidFill>
+              </a:rPr>
+              <a:t>Cognotivismo</a:t>
+            </a:r>
+            <a:r>
+              <a:rPr lang="es-PE" sz="2400" dirty="0" smtClean="0"/>
+              <a:t> (Piaget, Vygotsky), </a:t>
+            </a:r>
+            <a:r>
+              <a:rPr lang="es-PE" sz="2400" dirty="0" err="1" smtClean="0">
+                <a:solidFill>
+                  <a:srgbClr val="FF0000"/>
+                </a:solidFill>
+              </a:rPr>
+              <a:t>Constructuvismo</a:t>
+            </a:r>
+            <a:r>
+              <a:rPr lang="es-PE" sz="2400" dirty="0"/>
+              <a:t> </a:t>
+            </a:r>
+            <a:r>
+              <a:rPr lang="es-PE" sz="2400" dirty="0" smtClean="0"/>
+              <a:t>(Bruner, Vygotsky), </a:t>
+            </a:r>
+            <a:r>
+              <a:rPr lang="es-PE" sz="2400" dirty="0" err="1" smtClean="0">
+                <a:solidFill>
+                  <a:srgbClr val="FF0000"/>
+                </a:solidFill>
+              </a:rPr>
+              <a:t>Andragogía</a:t>
+            </a:r>
+            <a:r>
+              <a:rPr lang="es-PE" sz="2400" dirty="0" smtClean="0"/>
+              <a:t> (</a:t>
+            </a:r>
+            <a:r>
+              <a:rPr lang="es-PE" sz="2400" dirty="0" err="1" smtClean="0"/>
+              <a:t>Knowles</a:t>
+            </a:r>
+            <a:r>
+              <a:rPr lang="es-PE" sz="2400" dirty="0" smtClean="0"/>
+              <a:t>), </a:t>
+            </a:r>
+            <a:r>
+              <a:rPr lang="es-PE" sz="2400" dirty="0" smtClean="0">
+                <a:solidFill>
+                  <a:srgbClr val="FF0000"/>
+                </a:solidFill>
+              </a:rPr>
+              <a:t>Digital</a:t>
+            </a:r>
+            <a:r>
+              <a:rPr lang="es-PE" sz="2400" dirty="0" smtClean="0"/>
+              <a:t>, </a:t>
+            </a:r>
+            <a:r>
+              <a:rPr lang="es-PE" sz="2400" dirty="0" smtClean="0">
+                <a:solidFill>
+                  <a:srgbClr val="FF0000"/>
+                </a:solidFill>
+              </a:rPr>
+              <a:t>Global</a:t>
+            </a:r>
+            <a:r>
+              <a:rPr lang="es-PE" sz="2400" dirty="0" smtClean="0"/>
+              <a:t>, Educación </a:t>
+            </a:r>
+            <a:r>
+              <a:rPr lang="es-PE" sz="2400" dirty="0" smtClean="0">
+                <a:solidFill>
+                  <a:srgbClr val="FF0000"/>
+                </a:solidFill>
+              </a:rPr>
+              <a:t>técnica</a:t>
+            </a:r>
+            <a:r>
+              <a:rPr lang="es-PE" sz="2400" dirty="0" smtClean="0"/>
+              <a:t> para el mercado; </a:t>
+            </a:r>
+            <a:r>
+              <a:rPr lang="es-PE" sz="2400" dirty="0" smtClean="0">
+                <a:solidFill>
+                  <a:srgbClr val="FF0000"/>
+                </a:solidFill>
+              </a:rPr>
+              <a:t>STEM</a:t>
+            </a:r>
+            <a:r>
+              <a:rPr lang="es-PE" sz="2400" dirty="0" smtClean="0"/>
+              <a:t> </a:t>
+            </a:r>
+            <a:r>
+              <a:rPr lang="es-PE" sz="2400" dirty="0"/>
+              <a:t>(</a:t>
+            </a:r>
+            <a:r>
+              <a:rPr lang="es-PE" sz="2400" dirty="0" err="1"/>
+              <a:t>Science</a:t>
+            </a:r>
+            <a:r>
+              <a:rPr lang="es-PE" sz="2400" dirty="0"/>
+              <a:t>, </a:t>
+            </a:r>
+            <a:r>
+              <a:rPr lang="es-PE" sz="2400" dirty="0" err="1"/>
+              <a:t>Tech</a:t>
+            </a:r>
+            <a:r>
+              <a:rPr lang="es-PE" sz="2400" dirty="0"/>
+              <a:t>, </a:t>
+            </a:r>
+            <a:r>
+              <a:rPr lang="es-PE" sz="2400" dirty="0" err="1"/>
+              <a:t>Engineering</a:t>
+            </a:r>
+            <a:r>
+              <a:rPr lang="es-PE" sz="2400" dirty="0"/>
+              <a:t> and </a:t>
+            </a:r>
+            <a:r>
+              <a:rPr lang="es-PE" sz="2400" dirty="0" err="1"/>
+              <a:t>Math</a:t>
+            </a:r>
+            <a:r>
+              <a:rPr lang="es-PE" sz="2400" dirty="0" smtClean="0"/>
+              <a:t>) (criticada por: Figueroa, </a:t>
+            </a:r>
+            <a:r>
+              <a:rPr lang="es-PE" sz="2400" dirty="0" err="1" smtClean="0"/>
+              <a:t>Nussbaum</a:t>
+            </a:r>
+            <a:r>
+              <a:rPr lang="es-PE" sz="2400" dirty="0" smtClean="0"/>
+              <a:t>), </a:t>
+            </a:r>
+            <a:r>
+              <a:rPr lang="es-PE" sz="2400" dirty="0" smtClean="0"/>
+              <a:t>Educación </a:t>
+            </a:r>
+            <a:r>
+              <a:rPr lang="es-PE" sz="2400" dirty="0" smtClean="0">
+                <a:solidFill>
+                  <a:srgbClr val="FF0000"/>
+                </a:solidFill>
+              </a:rPr>
+              <a:t>Secular</a:t>
+            </a:r>
+            <a:r>
+              <a:rPr lang="es-PE" sz="2400" dirty="0" smtClean="0"/>
+              <a:t> (Kant, Taylor), Educación </a:t>
+            </a:r>
+            <a:r>
+              <a:rPr lang="es-PE" sz="2400" dirty="0" smtClean="0">
+                <a:solidFill>
+                  <a:srgbClr val="FF0000"/>
+                </a:solidFill>
+              </a:rPr>
+              <a:t>Sentimental</a:t>
+            </a:r>
+            <a:r>
+              <a:rPr lang="es-PE" sz="2400" dirty="0" smtClean="0"/>
+              <a:t> (Smith, Hume, Taylor</a:t>
+            </a:r>
+            <a:r>
+              <a:rPr lang="es-PE" sz="2400" dirty="0" smtClean="0"/>
+              <a:t>), </a:t>
+            </a:r>
+            <a:r>
+              <a:rPr lang="es-PE" sz="2400" dirty="0"/>
+              <a:t>Sentido </a:t>
+            </a:r>
+            <a:r>
+              <a:rPr lang="es-PE" sz="2400" dirty="0">
+                <a:solidFill>
+                  <a:srgbClr val="FF0000"/>
+                </a:solidFill>
+              </a:rPr>
+              <a:t>moderno</a:t>
+            </a:r>
+            <a:r>
+              <a:rPr lang="es-PE" sz="2400" dirty="0"/>
+              <a:t> de la educación</a:t>
+            </a:r>
+            <a:endParaRPr lang="es-PE" sz="2400" dirty="0" smtClean="0"/>
+          </a:p>
+          <a:p>
+            <a:endParaRPr lang="es-PE" sz="2400" b="1" dirty="0"/>
+          </a:p>
+          <a:p>
+            <a:r>
+              <a:rPr lang="es-PE" sz="2400" b="1" dirty="0" smtClean="0"/>
+              <a:t>Autoformación </a:t>
+            </a:r>
+            <a:r>
+              <a:rPr lang="es-PE" sz="2400" b="1" dirty="0" smtClean="0"/>
+              <a:t>a través del autoconocimiento </a:t>
+            </a:r>
+            <a:r>
+              <a:rPr lang="es-PE" sz="2400" dirty="0" smtClean="0"/>
+              <a:t>(Kant desde Katherine </a:t>
+            </a:r>
+            <a:r>
+              <a:rPr lang="es-PE" sz="2400" dirty="0" err="1" smtClean="0"/>
+              <a:t>Krauss</a:t>
+            </a:r>
+            <a:r>
+              <a:rPr lang="es-PE" sz="2400" dirty="0" smtClean="0"/>
+              <a:t>)</a:t>
+            </a:r>
+          </a:p>
+          <a:p>
+            <a:endParaRPr lang="es-PE" sz="2400" dirty="0"/>
+          </a:p>
+          <a:p>
+            <a:r>
+              <a:rPr lang="es-PE" sz="2400" b="1" dirty="0" smtClean="0"/>
+              <a:t>Educación </a:t>
+            </a:r>
+            <a:r>
+              <a:rPr lang="es-PE" sz="2400" b="1" dirty="0" smtClean="0"/>
+              <a:t>crítica, ilustrada o “pragmática”</a:t>
+            </a:r>
+            <a:endParaRPr lang="es-PE" sz="2400" b="1" dirty="0" smtClean="0"/>
+          </a:p>
+          <a:p>
+            <a:endParaRPr lang="es-PE" sz="2400" dirty="0"/>
+          </a:p>
+          <a:p>
+            <a:r>
+              <a:rPr lang="es-PE" sz="2400" b="1" dirty="0" smtClean="0"/>
+              <a:t>Educación pública administrada por el estado</a:t>
+            </a:r>
+          </a:p>
+          <a:p>
+            <a:endParaRPr lang="es-PE" sz="2400" b="1" dirty="0"/>
+          </a:p>
+          <a:p>
+            <a:r>
+              <a:rPr lang="es-PE" sz="2400" b="1" dirty="0" smtClean="0"/>
+              <a:t>¿Educación para lo político?</a:t>
+            </a:r>
+            <a:endParaRPr lang="es-PE" sz="2400" b="1" dirty="0"/>
           </a:p>
         </p:txBody>
       </p:sp>
     </p:spTree>
     <p:extLst>
       <p:ext uri="{BB962C8B-B14F-4D97-AF65-F5344CB8AC3E}">
-        <p14:creationId xmlns:p14="http://schemas.microsoft.com/office/powerpoint/2010/main" val="2636378400"/>
+        <p14:creationId xmlns:p14="http://schemas.microsoft.com/office/powerpoint/2010/main" val="2050260353"/>
       </p:ext>
     </p:extLst>
   </p:cSld>
@@ -4209,6 +4781,210 @@
       </p:grpSpPr>
       <p:sp>
         <p:nvSpPr>
+          <p:cNvPr id="2" name="Título 1"/>
+          <p:cNvSpPr>
+            <a:spLocks noGrp="1"/>
+          </p:cNvSpPr>
+          <p:nvPr>
+            <p:ph type="ctrTitle"/>
+          </p:nvPr>
+        </p:nvSpPr>
+        <p:spPr>
+          <a:xfrm>
+            <a:off x="728420" y="4708"/>
+            <a:ext cx="11463580" cy="785706"/>
+          </a:xfrm>
+        </p:spPr>
+        <p:txBody>
+          <a:bodyPr>
+            <a:normAutofit/>
+          </a:bodyPr>
+          <a:lstStyle/>
+          <a:p>
+            <a:pPr algn="l"/>
+            <a:r>
+              <a:rPr lang="es-PE" sz="4400" dirty="0" smtClean="0">
+                <a:solidFill>
+                  <a:schemeClr val="accent5"/>
+                </a:solidFill>
+              </a:rPr>
+              <a:t>El concepto de “justificación” de </a:t>
+            </a:r>
+            <a:r>
+              <a:rPr lang="es-PE" sz="4400" dirty="0" err="1" smtClean="0">
+                <a:solidFill>
+                  <a:schemeClr val="accent5"/>
+                </a:solidFill>
+              </a:rPr>
+              <a:t>Forst</a:t>
+            </a:r>
+            <a:endParaRPr lang="es-PE" sz="4400" dirty="0">
+              <a:solidFill>
+                <a:schemeClr val="accent6"/>
+              </a:solidFill>
+            </a:endParaRPr>
+          </a:p>
+        </p:txBody>
+      </p:sp>
+      <p:sp>
+        <p:nvSpPr>
+          <p:cNvPr id="13" name="CuadroTexto 12"/>
+          <p:cNvSpPr txBox="1"/>
+          <p:nvPr/>
+        </p:nvSpPr>
+        <p:spPr>
+          <a:xfrm>
+            <a:off x="0" y="-108488"/>
+            <a:ext cx="728420" cy="1015663"/>
+          </a:xfrm>
+          <a:prstGeom prst="rect">
+            <a:avLst/>
+          </a:prstGeom>
+          <a:noFill/>
+        </p:spPr>
+        <p:txBody>
+          <a:bodyPr wrap="square" rtlCol="0">
+            <a:spAutoFit/>
+          </a:bodyPr>
+          <a:lstStyle/>
+          <a:p>
+            <a:pPr algn="ctr"/>
+            <a:r>
+              <a:rPr lang="es-PE" sz="6000" dirty="0">
+                <a:solidFill>
+                  <a:srgbClr val="0070C0"/>
+                </a:solidFill>
+              </a:rPr>
+              <a:t>3</a:t>
+            </a:r>
+            <a:endParaRPr lang="es-PE" dirty="0">
+              <a:solidFill>
+                <a:srgbClr val="0070C0"/>
+              </a:solidFill>
+            </a:endParaRPr>
+          </a:p>
+        </p:txBody>
+      </p:sp>
+      <p:sp>
+        <p:nvSpPr>
+          <p:cNvPr id="16" name="CuadroTexto 15"/>
+          <p:cNvSpPr txBox="1"/>
+          <p:nvPr/>
+        </p:nvSpPr>
+        <p:spPr>
+          <a:xfrm>
+            <a:off x="728420" y="1627322"/>
+            <a:ext cx="10712213" cy="4401205"/>
+          </a:xfrm>
+          <a:prstGeom prst="rect">
+            <a:avLst/>
+          </a:prstGeom>
+          <a:noFill/>
+        </p:spPr>
+        <p:txBody>
+          <a:bodyPr wrap="square" rtlCol="0">
+            <a:spAutoFit/>
+          </a:bodyPr>
+          <a:lstStyle/>
+          <a:p>
+            <a:r>
+              <a:rPr lang="es-PE" sz="2800" dirty="0" smtClean="0"/>
+              <a:t>Justificación en cuanto </a:t>
+            </a:r>
+            <a:r>
+              <a:rPr lang="es-PE" sz="2800" b="1" dirty="0" smtClean="0"/>
+              <a:t>autodeterminación</a:t>
+            </a:r>
+          </a:p>
+          <a:p>
+            <a:endParaRPr lang="es-PE" sz="2800" dirty="0" smtClean="0"/>
+          </a:p>
+          <a:p>
+            <a:r>
+              <a:rPr lang="es-PE" sz="2800" dirty="0" smtClean="0"/>
+              <a:t>Justificación de los </a:t>
+            </a:r>
+            <a:r>
+              <a:rPr lang="es-PE" sz="2800" b="1" dirty="0" smtClean="0"/>
+              <a:t>DDHH</a:t>
+            </a:r>
+          </a:p>
+          <a:p>
+            <a:endParaRPr lang="es-PE" sz="2800" dirty="0"/>
+          </a:p>
+          <a:p>
+            <a:r>
+              <a:rPr lang="es-PE" sz="2800" dirty="0" smtClean="0"/>
+              <a:t>Justificación en un horizonte de consenso político (</a:t>
+            </a:r>
+            <a:r>
+              <a:rPr lang="es-PE" sz="2800" b="1" dirty="0" err="1" smtClean="0"/>
+              <a:t>co</a:t>
+            </a:r>
+            <a:r>
+              <a:rPr lang="es-PE" sz="2800" b="1" dirty="0" smtClean="0"/>
+              <a:t>-determinación</a:t>
+            </a:r>
+            <a:r>
+              <a:rPr lang="es-PE" sz="2800" dirty="0" smtClean="0"/>
+              <a:t>)</a:t>
+            </a:r>
+          </a:p>
+          <a:p>
+            <a:endParaRPr lang="es-PE" sz="2800" dirty="0"/>
+          </a:p>
+          <a:p>
+            <a:r>
+              <a:rPr lang="es-PE" sz="2800" b="1" dirty="0" smtClean="0"/>
+              <a:t>El aporte de la justificación a la educación crítica</a:t>
+            </a:r>
+          </a:p>
+          <a:p>
+            <a:endParaRPr lang="es-PE" sz="2800" dirty="0"/>
+          </a:p>
+          <a:p>
+            <a:r>
+              <a:rPr lang="es-PE" sz="2800" b="1" dirty="0" smtClean="0"/>
+              <a:t>El aporte de la educación crítica al desarrollo político/civil</a:t>
+            </a:r>
+          </a:p>
+          <a:p>
+            <a:endParaRPr lang="es-PE" sz="2800" dirty="0"/>
+          </a:p>
+        </p:txBody>
+      </p:sp>
+    </p:spTree>
+    <p:extLst>
+      <p:ext uri="{BB962C8B-B14F-4D97-AF65-F5344CB8AC3E}">
+        <p14:creationId xmlns:p14="http://schemas.microsoft.com/office/powerpoint/2010/main" val="2636378400"/>
+      </p:ext>
+    </p:extLst>
+  </p:cSld>
+  <p:clrMapOvr>
+    <a:masterClrMapping/>
+  </p:clrMapOvr>
+</p:sld>
+</file>
+
+<file path=ppt/slides/slide7.xml><?xml version="1.0" encoding="utf-8"?>
+<p:sld xmlns:a="http://schemas.openxmlformats.org/drawingml/2006/main" xmlns:r="http://schemas.openxmlformats.org/officeDocument/2006/relationships" xmlns:p="http://schemas.openxmlformats.org/presentationml/2006/main">
+  <p:cSld>
+    <p:spTree>
+      <p:nvGrpSpPr>
+        <p:cNvPr id="1" name=""/>
+        <p:cNvGrpSpPr/>
+        <p:nvPr/>
+      </p:nvGrpSpPr>
+      <p:grpSpPr>
+        <a:xfrm>
+          <a:off x="0" y="0"/>
+          <a:ext cx="0" cy="0"/>
+          <a:chOff x="0" y="0"/>
+          <a:chExt cx="0" cy="0"/>
+        </a:xfrm>
+      </p:grpSpPr>
+      <p:sp>
+        <p:nvSpPr>
           <p:cNvPr id="3" name="Marcador de contenido 2"/>
           <p:cNvSpPr>
             <a:spLocks noGrp="1"/>
@@ -4282,7 +5058,7 @@
                   <a:schemeClr val="accent6"/>
                 </a:solidFill>
               </a:rPr>
-              <a:t>pensamiento de Kant</a:t>
+              <a:t>pensamiento político de Kant</a:t>
             </a:r>
             <a:endParaRPr lang="es-PE" dirty="0" smtClean="0"/>
           </a:p>
@@ -4334,11 +5110,23 @@
                   <a:srgbClr val="FFC000"/>
                 </a:solidFill>
               </a:rPr>
-              <a:t>Estado actual de una educación acrítica</a:t>
+              <a:t>Estado actual de una educación </a:t>
+            </a:r>
+            <a:r>
+              <a:rPr lang="es-PE" dirty="0" smtClean="0">
+                <a:solidFill>
+                  <a:srgbClr val="FFC000"/>
+                </a:solidFill>
+              </a:rPr>
+              <a:t>acrítica (primacía de un tecno-dogmatismo)</a:t>
             </a:r>
             <a:r>
               <a:rPr lang="es-PE" dirty="0" smtClean="0"/>
-              <a:t>. Estado actual de una práctica política inadecuada.</a:t>
+              <a:t>. </a:t>
+            </a:r>
+            <a:r>
+              <a:rPr lang="es-PE" dirty="0" smtClean="0"/>
+              <a:t>Estado actual de una práctica política inadecuada.</a:t>
             </a:r>
           </a:p>
           <a:p>
@@ -4393,7 +5181,7 @@
             </a:r>
             <a:r>
               <a:rPr lang="es-PE" dirty="0" smtClean="0"/>
-              <a:t>. </a:t>
+              <a:t>. (</a:t>
             </a:r>
             <a:r>
               <a:rPr lang="es-PE" dirty="0" smtClean="0">
@@ -4429,7 +5217,7 @@
             </a:r>
             <a:r>
               <a:rPr lang="es-PE" dirty="0" smtClean="0"/>
-              <a:t>. </a:t>
+              <a:t>.)</a:t>
             </a:r>
           </a:p>
           <a:p>
